--- a/templates/asset/img/InfosResa/InfosResaChiffres.pptx
+++ b/templates/asset/img/InfosResa/InfosResaChiffres.pptx
@@ -259,7 +259,7 @@
           <a:p>
             <a:fld id="{F4C2ABED-BD06-B745-9146-F877DF16BE62}" type="datetimeFigureOut">
               <a:rPr lang="fr-FR" smtClean="0"/>
-              <a:t>27/02/2022</a:t>
+              <a:t>08/03/2022</a:t>
             </a:fld>
             <a:endParaRPr lang="fr-FR"/>
           </a:p>
@@ -457,7 +457,7 @@
           <a:p>
             <a:fld id="{F4C2ABED-BD06-B745-9146-F877DF16BE62}" type="datetimeFigureOut">
               <a:rPr lang="fr-FR" smtClean="0"/>
-              <a:t>27/02/2022</a:t>
+              <a:t>08/03/2022</a:t>
             </a:fld>
             <a:endParaRPr lang="fr-FR"/>
           </a:p>
@@ -665,7 +665,7 @@
           <a:p>
             <a:fld id="{F4C2ABED-BD06-B745-9146-F877DF16BE62}" type="datetimeFigureOut">
               <a:rPr lang="fr-FR" smtClean="0"/>
-              <a:t>27/02/2022</a:t>
+              <a:t>08/03/2022</a:t>
             </a:fld>
             <a:endParaRPr lang="fr-FR"/>
           </a:p>
@@ -863,7 +863,7 @@
           <a:p>
             <a:fld id="{F4C2ABED-BD06-B745-9146-F877DF16BE62}" type="datetimeFigureOut">
               <a:rPr lang="fr-FR" smtClean="0"/>
-              <a:t>27/02/2022</a:t>
+              <a:t>08/03/2022</a:t>
             </a:fld>
             <a:endParaRPr lang="fr-FR"/>
           </a:p>
@@ -1138,7 +1138,7 @@
           <a:p>
             <a:fld id="{F4C2ABED-BD06-B745-9146-F877DF16BE62}" type="datetimeFigureOut">
               <a:rPr lang="fr-FR" smtClean="0"/>
-              <a:t>27/02/2022</a:t>
+              <a:t>08/03/2022</a:t>
             </a:fld>
             <a:endParaRPr lang="fr-FR"/>
           </a:p>
@@ -1403,7 +1403,7 @@
           <a:p>
             <a:fld id="{F4C2ABED-BD06-B745-9146-F877DF16BE62}" type="datetimeFigureOut">
               <a:rPr lang="fr-FR" smtClean="0"/>
-              <a:t>27/02/2022</a:t>
+              <a:t>08/03/2022</a:t>
             </a:fld>
             <a:endParaRPr lang="fr-FR"/>
           </a:p>
@@ -1815,7 +1815,7 @@
           <a:p>
             <a:fld id="{F4C2ABED-BD06-B745-9146-F877DF16BE62}" type="datetimeFigureOut">
               <a:rPr lang="fr-FR" smtClean="0"/>
-              <a:t>27/02/2022</a:t>
+              <a:t>08/03/2022</a:t>
             </a:fld>
             <a:endParaRPr lang="fr-FR"/>
           </a:p>
@@ -1956,7 +1956,7 @@
           <a:p>
             <a:fld id="{F4C2ABED-BD06-B745-9146-F877DF16BE62}" type="datetimeFigureOut">
               <a:rPr lang="fr-FR" smtClean="0"/>
-              <a:t>27/02/2022</a:t>
+              <a:t>08/03/2022</a:t>
             </a:fld>
             <a:endParaRPr lang="fr-FR"/>
           </a:p>
@@ -2069,7 +2069,7 @@
           <a:p>
             <a:fld id="{F4C2ABED-BD06-B745-9146-F877DF16BE62}" type="datetimeFigureOut">
               <a:rPr lang="fr-FR" smtClean="0"/>
-              <a:t>27/02/2022</a:t>
+              <a:t>08/03/2022</a:t>
             </a:fld>
             <a:endParaRPr lang="fr-FR"/>
           </a:p>
@@ -2380,7 +2380,7 @@
           <a:p>
             <a:fld id="{F4C2ABED-BD06-B745-9146-F877DF16BE62}" type="datetimeFigureOut">
               <a:rPr lang="fr-FR" smtClean="0"/>
-              <a:t>27/02/2022</a:t>
+              <a:t>08/03/2022</a:t>
             </a:fld>
             <a:endParaRPr lang="fr-FR"/>
           </a:p>
@@ -2668,7 +2668,7 @@
           <a:p>
             <a:fld id="{F4C2ABED-BD06-B745-9146-F877DF16BE62}" type="datetimeFigureOut">
               <a:rPr lang="fr-FR" smtClean="0"/>
-              <a:t>27/02/2022</a:t>
+              <a:t>08/03/2022</a:t>
             </a:fld>
             <a:endParaRPr lang="fr-FR"/>
           </a:p>
@@ -2909,7 +2909,7 @@
           <a:p>
             <a:fld id="{F4C2ABED-BD06-B745-9146-F877DF16BE62}" type="datetimeFigureOut">
               <a:rPr lang="fr-FR" smtClean="0"/>
-              <a:t>27/02/2022</a:t>
+              <a:t>08/03/2022</a:t>
             </a:fld>
             <a:endParaRPr lang="fr-FR"/>
           </a:p>
@@ -3659,6 +3659,107 @@
           </a:prstGeom>
         </p:spPr>
       </p:pic>
+      <p:sp>
+        <p:nvSpPr>
+          <p:cNvPr id="11" name="Bouée 10">
+            <a:extLst>
+              <a:ext uri="{FF2B5EF4-FFF2-40B4-BE49-F238E27FC236}">
+                <a16:creationId xmlns:a16="http://schemas.microsoft.com/office/drawing/2014/main" id="{EED249B4-FB72-7E44-AF4D-3B67EF630AF2}"/>
+              </a:ext>
+            </a:extLst>
+          </p:cNvPr>
+          <p:cNvSpPr>
+            <a:spLocks noChangeAspect="1"/>
+          </p:cNvSpPr>
+          <p:nvPr/>
+        </p:nvSpPr>
+        <p:spPr>
+          <a:xfrm>
+            <a:off x="8013700" y="3175171"/>
+            <a:ext cx="1054100" cy="1022080"/>
+          </a:xfrm>
+          <a:prstGeom prst="donut">
+            <a:avLst>
+              <a:gd name="adj" fmla="val 6902"/>
+            </a:avLst>
+          </a:prstGeom>
+          <a:solidFill>
+            <a:srgbClr val="3B76AA"/>
+          </a:solidFill>
+          <a:ln>
+            <a:noFill/>
+          </a:ln>
+        </p:spPr>
+        <p:style>
+          <a:lnRef idx="2">
+            <a:schemeClr val="accent1">
+              <a:shade val="50000"/>
+            </a:schemeClr>
+          </a:lnRef>
+          <a:fillRef idx="1">
+            <a:schemeClr val="accent1"/>
+          </a:fillRef>
+          <a:effectRef idx="0">
+            <a:schemeClr val="accent1"/>
+          </a:effectRef>
+          <a:fontRef idx="minor">
+            <a:schemeClr val="lt1"/>
+          </a:fontRef>
+        </p:style>
+        <p:txBody>
+          <a:bodyPr rtlCol="0" anchor="ctr"/>
+          <a:lstStyle/>
+          <a:p>
+            <a:pPr algn="ctr"/>
+            <a:endParaRPr lang="fr-FR">
+              <a:solidFill>
+                <a:schemeClr val="tx1"/>
+              </a:solidFill>
+            </a:endParaRPr>
+          </a:p>
+        </p:txBody>
+      </p:sp>
+      <p:sp>
+        <p:nvSpPr>
+          <p:cNvPr id="12" name="ZoneTexte 11">
+            <a:extLst>
+              <a:ext uri="{FF2B5EF4-FFF2-40B4-BE49-F238E27FC236}">
+                <a16:creationId xmlns:a16="http://schemas.microsoft.com/office/drawing/2014/main" id="{B5CFB24A-847D-414F-BF0F-77B86CA3B18B}"/>
+              </a:ext>
+            </a:extLst>
+          </p:cNvPr>
+          <p:cNvSpPr txBox="1"/>
+          <p:nvPr/>
+        </p:nvSpPr>
+        <p:spPr>
+          <a:xfrm>
+            <a:off x="8377083" y="3486156"/>
+            <a:ext cx="327334" cy="400110"/>
+          </a:xfrm>
+          <a:prstGeom prst="rect">
+            <a:avLst/>
+          </a:prstGeom>
+          <a:noFill/>
+        </p:spPr>
+        <p:txBody>
+          <a:bodyPr wrap="none" rtlCol="0">
+            <a:spAutoFit/>
+          </a:bodyPr>
+          <a:lstStyle/>
+          <a:p>
+            <a:r>
+              <a:rPr lang="fr-FR" sz="2000" b="1" dirty="0">
+                <a:solidFill>
+                  <a:schemeClr val="accent1"/>
+                </a:solidFill>
+                <a:latin typeface="Arial" panose="020B0604020202020204" pitchFamily="34" charset="0"/>
+                <a:cs typeface="Arial" panose="020B0604020202020204" pitchFamily="34" charset="0"/>
+              </a:rPr>
+              <a:t>4</a:t>
+            </a:r>
+          </a:p>
+        </p:txBody>
+      </p:sp>
     </p:spTree>
     <p:extLst>
       <p:ext uri="{BB962C8B-B14F-4D97-AF65-F5344CB8AC3E}">
